--- a/Reference and Document/최종제출문서/프레젠테이션1.pptx
+++ b/Reference and Document/최종제출문서/프레젠테이션1.pptx
@@ -8,6 +8,10 @@
     <p:sldId id="257" r:id="rId2"/>
     <p:sldId id="258" r:id="rId3"/>
     <p:sldId id="259" r:id="rId4"/>
+    <p:sldId id="260" r:id="rId5"/>
+    <p:sldId id="261" r:id="rId6"/>
+    <p:sldId id="262" r:id="rId7"/>
+    <p:sldId id="263" r:id="rId8"/>
   </p:sldIdLst>
   <p:sldSz cx="6858000" cy="9144000" type="screen4x3"/>
   <p:notesSz cx="6858000" cy="9144000"/>
@@ -6198,6 +6202,2336 @@
       </p:par>
     </p:tnLst>
   </p:timing>
+</p:sld>
+</file>
+
+<file path=ppt/slides/slide4.xml><?xml version="1.0" encoding="utf-8"?>
+<p:sld xmlns:a="http://schemas.openxmlformats.org/drawingml/2006/main" xmlns:r="http://schemas.openxmlformats.org/officeDocument/2006/relationships" xmlns:p="http://schemas.openxmlformats.org/presentationml/2006/main">
+  <p:cSld>
+    <p:spTree>
+      <p:nvGrpSpPr>
+        <p:cNvPr id="1" name=""/>
+        <p:cNvGrpSpPr/>
+        <p:nvPr/>
+      </p:nvGrpSpPr>
+      <p:grpSpPr>
+        <a:xfrm>
+          <a:off x="0" y="0"/>
+          <a:ext cx="0" cy="0"/>
+          <a:chOff x="0" y="0"/>
+          <a:chExt cx="0" cy="0"/>
+        </a:xfrm>
+      </p:grpSpPr>
+      <p:grpSp>
+        <p:nvGrpSpPr>
+          <p:cNvPr id="40" name="그룹 39"/>
+          <p:cNvGrpSpPr/>
+          <p:nvPr/>
+        </p:nvGrpSpPr>
+        <p:grpSpPr>
+          <a:xfrm>
+            <a:off x="476672" y="1394356"/>
+            <a:ext cx="5256584" cy="4411072"/>
+            <a:chOff x="476672" y="1394356"/>
+            <a:chExt cx="5256584" cy="4411072"/>
+          </a:xfrm>
+        </p:grpSpPr>
+        <p:sp>
+          <p:nvSpPr>
+            <p:cNvPr id="4" name="직사각형 3"/>
+            <p:cNvSpPr/>
+            <p:nvPr/>
+          </p:nvSpPr>
+          <p:spPr bwMode="auto">
+            <a:xfrm>
+              <a:off x="476672" y="2411760"/>
+              <a:ext cx="1440160" cy="648072"/>
+            </a:xfrm>
+            <a:prstGeom prst="rect">
+              <a:avLst/>
+            </a:prstGeom>
+            <a:solidFill>
+              <a:srgbClr val="4F81BD"/>
+            </a:solidFill>
+            <a:ln w="25400">
+              <a:solidFill>
+                <a:srgbClr val="243F60"/>
+              </a:solidFill>
+              <a:miter lim="800000"/>
+              <a:headEnd/>
+              <a:tailEnd/>
+            </a:ln>
+          </p:spPr>
+          <p:txBody>
+            <a:bodyPr vert="horz" wrap="square" lIns="91440" tIns="45720" rIns="91440" bIns="45720" numCol="1" rtlCol="0" anchor="ctr" anchorCtr="0" compatLnSpc="1">
+              <a:prstTxWarp prst="textNoShape">
+                <a:avLst/>
+              </a:prstTxWarp>
+            </a:bodyPr>
+            <a:lstStyle/>
+            <a:p>
+              <a:pPr marL="0" marR="0" indent="0" algn="ctr" defTabSz="914400" rtl="0" eaLnBrk="1" fontAlgn="base" latinLnBrk="1" hangingPunct="1">
+                <a:lnSpc>
+                  <a:spcPct val="100000"/>
+                </a:lnSpc>
+                <a:spcBef>
+                  <a:spcPct val="0"/>
+                </a:spcBef>
+                <a:spcAft>
+                  <a:spcPct val="0"/>
+                </a:spcAft>
+                <a:buClrTx/>
+                <a:buSzTx/>
+                <a:buFontTx/>
+                <a:buNone/>
+                <a:tabLst/>
+              </a:pPr>
+              <a:r>
+                <a:rPr kumimoji="1" lang="en-US" altLang="ko-KR" sz="1200" dirty="0" smtClean="0">
+                  <a:solidFill>
+                    <a:srgbClr val="FFFFFF"/>
+                  </a:solidFill>
+                  <a:latin typeface="맑은 고딕" pitchFamily="50" charset="-127"/>
+                  <a:ea typeface="맑은 고딕" pitchFamily="50" charset="-127"/>
+                  <a:cs typeface="Times New Roman" pitchFamily="18" charset="0"/>
+                </a:rPr>
+                <a:t>Server</a:t>
+              </a:r>
+              <a:endParaRPr kumimoji="1" lang="ko-KR" altLang="en-US" sz="1200" dirty="0" err="1" smtClean="0">
+                <a:solidFill>
+                  <a:srgbClr val="FFFFFF"/>
+                </a:solidFill>
+                <a:latin typeface="맑은 고딕" pitchFamily="50" charset="-127"/>
+                <a:ea typeface="맑은 고딕" pitchFamily="50" charset="-127"/>
+                <a:cs typeface="Times New Roman" pitchFamily="18" charset="0"/>
+              </a:endParaRPr>
+            </a:p>
+          </p:txBody>
+        </p:sp>
+        <p:sp>
+          <p:nvSpPr>
+            <p:cNvPr id="5" name="직사각형 4"/>
+            <p:cNvSpPr/>
+            <p:nvPr/>
+          </p:nvSpPr>
+          <p:spPr bwMode="auto">
+            <a:xfrm>
+              <a:off x="476672" y="3959932"/>
+              <a:ext cx="1440160" cy="648072"/>
+            </a:xfrm>
+            <a:prstGeom prst="rect">
+              <a:avLst/>
+            </a:prstGeom>
+            <a:solidFill>
+              <a:srgbClr val="4F81BD"/>
+            </a:solidFill>
+            <a:ln w="25400">
+              <a:solidFill>
+                <a:srgbClr val="243F60"/>
+              </a:solidFill>
+              <a:miter lim="800000"/>
+              <a:headEnd/>
+              <a:tailEnd/>
+            </a:ln>
+          </p:spPr>
+          <p:txBody>
+            <a:bodyPr vert="horz" wrap="square" lIns="91440" tIns="45720" rIns="91440" bIns="45720" numCol="1" rtlCol="0" anchor="ctr" anchorCtr="0" compatLnSpc="1">
+              <a:prstTxWarp prst="textNoShape">
+                <a:avLst/>
+              </a:prstTxWarp>
+            </a:bodyPr>
+            <a:lstStyle/>
+            <a:p>
+              <a:pPr marL="0" marR="0" indent="0" algn="ctr" defTabSz="914400" rtl="0" eaLnBrk="1" fontAlgn="base" latinLnBrk="1" hangingPunct="1">
+                <a:lnSpc>
+                  <a:spcPct val="100000"/>
+                </a:lnSpc>
+                <a:spcBef>
+                  <a:spcPct val="0"/>
+                </a:spcBef>
+                <a:spcAft>
+                  <a:spcPct val="0"/>
+                </a:spcAft>
+                <a:buClrTx/>
+                <a:buSzTx/>
+                <a:buFontTx/>
+                <a:buNone/>
+                <a:tabLst/>
+              </a:pPr>
+              <a:r>
+                <a:rPr kumimoji="1" lang="en-US" altLang="ko-KR" sz="1200" dirty="0" err="1" smtClean="0">
+                  <a:solidFill>
+                    <a:srgbClr val="FFFFFF"/>
+                  </a:solidFill>
+                  <a:latin typeface="맑은 고딕" pitchFamily="50" charset="-127"/>
+                  <a:ea typeface="맑은 고딕" pitchFamily="50" charset="-127"/>
+                  <a:cs typeface="Times New Roman" pitchFamily="18" charset="0"/>
+                </a:rPr>
+                <a:t>ClientThread</a:t>
+              </a:r>
+              <a:endParaRPr kumimoji="1" lang="ko-KR" altLang="en-US" sz="1200" dirty="0" err="1" smtClean="0">
+                <a:solidFill>
+                  <a:srgbClr val="FFFFFF"/>
+                </a:solidFill>
+                <a:latin typeface="맑은 고딕" pitchFamily="50" charset="-127"/>
+                <a:ea typeface="맑은 고딕" pitchFamily="50" charset="-127"/>
+                <a:cs typeface="Times New Roman" pitchFamily="18" charset="0"/>
+              </a:endParaRPr>
+            </a:p>
+          </p:txBody>
+        </p:sp>
+        <p:sp>
+          <p:nvSpPr>
+            <p:cNvPr id="7" name="직사각형 6"/>
+            <p:cNvSpPr/>
+            <p:nvPr/>
+          </p:nvSpPr>
+          <p:spPr bwMode="auto">
+            <a:xfrm>
+              <a:off x="2852936" y="2411760"/>
+              <a:ext cx="1440160" cy="648072"/>
+            </a:xfrm>
+            <a:prstGeom prst="rect">
+              <a:avLst/>
+            </a:prstGeom>
+            <a:solidFill>
+              <a:srgbClr val="4F81BD"/>
+            </a:solidFill>
+            <a:ln w="25400">
+              <a:solidFill>
+                <a:srgbClr val="243F60"/>
+              </a:solidFill>
+              <a:miter lim="800000"/>
+              <a:headEnd/>
+              <a:tailEnd/>
+            </a:ln>
+          </p:spPr>
+          <p:txBody>
+            <a:bodyPr vert="horz" wrap="square" lIns="91440" tIns="45720" rIns="91440" bIns="45720" numCol="1" rtlCol="0" anchor="ctr" anchorCtr="0" compatLnSpc="1">
+              <a:prstTxWarp prst="textNoShape">
+                <a:avLst/>
+              </a:prstTxWarp>
+            </a:bodyPr>
+            <a:lstStyle/>
+            <a:p>
+              <a:pPr marL="0" marR="0" indent="0" algn="ctr" defTabSz="914400" rtl="0" eaLnBrk="1" fontAlgn="base" latinLnBrk="1" hangingPunct="1">
+                <a:lnSpc>
+                  <a:spcPct val="100000"/>
+                </a:lnSpc>
+                <a:spcBef>
+                  <a:spcPct val="0"/>
+                </a:spcBef>
+                <a:spcAft>
+                  <a:spcPct val="0"/>
+                </a:spcAft>
+                <a:buClrTx/>
+                <a:buSzTx/>
+                <a:buFontTx/>
+                <a:buNone/>
+                <a:tabLst/>
+              </a:pPr>
+              <a:r>
+                <a:rPr kumimoji="1" lang="en-US" altLang="ko-KR" sz="1200" dirty="0" smtClean="0">
+                  <a:solidFill>
+                    <a:srgbClr val="FFFFFF"/>
+                  </a:solidFill>
+                  <a:latin typeface="맑은 고딕" pitchFamily="50" charset="-127"/>
+                  <a:ea typeface="맑은 고딕" pitchFamily="50" charset="-127"/>
+                  <a:cs typeface="Times New Roman" pitchFamily="18" charset="0"/>
+                </a:rPr>
+                <a:t>DAO</a:t>
+              </a:r>
+              <a:endParaRPr kumimoji="1" lang="ko-KR" altLang="en-US" sz="1200" dirty="0" err="1" smtClean="0">
+                <a:solidFill>
+                  <a:srgbClr val="FFFFFF"/>
+                </a:solidFill>
+                <a:latin typeface="맑은 고딕" pitchFamily="50" charset="-127"/>
+                <a:ea typeface="맑은 고딕" pitchFamily="50" charset="-127"/>
+                <a:cs typeface="Times New Roman" pitchFamily="18" charset="0"/>
+              </a:endParaRPr>
+            </a:p>
+          </p:txBody>
+        </p:sp>
+        <p:sp>
+          <p:nvSpPr>
+            <p:cNvPr id="9" name="직사각형 8"/>
+            <p:cNvSpPr/>
+            <p:nvPr/>
+          </p:nvSpPr>
+          <p:spPr bwMode="auto">
+            <a:xfrm>
+              <a:off x="2348880" y="3959932"/>
+              <a:ext cx="1440160" cy="648072"/>
+            </a:xfrm>
+            <a:prstGeom prst="rect">
+              <a:avLst/>
+            </a:prstGeom>
+            <a:solidFill>
+              <a:srgbClr val="4F81BD"/>
+            </a:solidFill>
+            <a:ln w="25400">
+              <a:solidFill>
+                <a:srgbClr val="243F60"/>
+              </a:solidFill>
+              <a:miter lim="800000"/>
+              <a:headEnd/>
+              <a:tailEnd/>
+            </a:ln>
+          </p:spPr>
+          <p:txBody>
+            <a:bodyPr vert="horz" wrap="square" lIns="91440" tIns="45720" rIns="91440" bIns="45720" numCol="1" rtlCol="0" anchor="ctr" anchorCtr="0" compatLnSpc="1">
+              <a:prstTxWarp prst="textNoShape">
+                <a:avLst/>
+              </a:prstTxWarp>
+            </a:bodyPr>
+            <a:lstStyle/>
+            <a:p>
+              <a:pPr marL="0" marR="0" indent="0" algn="ctr" defTabSz="914400" rtl="0" eaLnBrk="1" fontAlgn="base" latinLnBrk="1" hangingPunct="1">
+                <a:lnSpc>
+                  <a:spcPct val="100000"/>
+                </a:lnSpc>
+                <a:spcBef>
+                  <a:spcPct val="0"/>
+                </a:spcBef>
+                <a:spcAft>
+                  <a:spcPct val="0"/>
+                </a:spcAft>
+                <a:buClrTx/>
+                <a:buSzTx/>
+                <a:buFontTx/>
+                <a:buNone/>
+                <a:tabLst/>
+              </a:pPr>
+              <a:r>
+                <a:rPr kumimoji="1" lang="en-US" altLang="ko-KR" sz="1200" dirty="0" err="1" smtClean="0">
+                  <a:solidFill>
+                    <a:srgbClr val="FFFFFF"/>
+                  </a:solidFill>
+                  <a:latin typeface="맑은 고딕" pitchFamily="50" charset="-127"/>
+                  <a:ea typeface="맑은 고딕" pitchFamily="50" charset="-127"/>
+                  <a:cs typeface="Times New Roman" pitchFamily="18" charset="0"/>
+                </a:rPr>
+                <a:t>Resonce</a:t>
+              </a:r>
+              <a:endParaRPr kumimoji="1" lang="ko-KR" altLang="en-US" sz="1200" dirty="0" err="1" smtClean="0">
+                <a:solidFill>
+                  <a:srgbClr val="FFFFFF"/>
+                </a:solidFill>
+                <a:latin typeface="맑은 고딕" pitchFamily="50" charset="-127"/>
+                <a:ea typeface="맑은 고딕" pitchFamily="50" charset="-127"/>
+                <a:cs typeface="Times New Roman" pitchFamily="18" charset="0"/>
+              </a:endParaRPr>
+            </a:p>
+          </p:txBody>
+        </p:sp>
+        <p:cxnSp>
+          <p:nvCxnSpPr>
+            <p:cNvPr id="13" name="직선 화살표 연결선 12"/>
+            <p:cNvCxnSpPr>
+              <a:stCxn id="4" idx="2"/>
+              <a:endCxn id="5" idx="0"/>
+            </p:cNvCxnSpPr>
+            <p:nvPr/>
+          </p:nvCxnSpPr>
+          <p:spPr>
+            <a:xfrm>
+              <a:off x="1196752" y="3059832"/>
+              <a:ext cx="0" cy="900100"/>
+            </a:xfrm>
+            <a:prstGeom prst="straightConnector1">
+              <a:avLst/>
+            </a:prstGeom>
+            <a:ln w="25400">
+              <a:solidFill>
+                <a:schemeClr val="tx1"/>
+              </a:solidFill>
+              <a:prstDash val="solid"/>
+              <a:headEnd type="diamond" w="lg" len="lg"/>
+              <a:tailEnd type="arrow"/>
+            </a:ln>
+          </p:spPr>
+          <p:style>
+            <a:lnRef idx="1">
+              <a:schemeClr val="accent1"/>
+            </a:lnRef>
+            <a:fillRef idx="0">
+              <a:schemeClr val="accent1"/>
+            </a:fillRef>
+            <a:effectRef idx="0">
+              <a:schemeClr val="accent1"/>
+            </a:effectRef>
+            <a:fontRef idx="minor">
+              <a:schemeClr val="tx1"/>
+            </a:fontRef>
+          </p:style>
+        </p:cxnSp>
+        <p:cxnSp>
+          <p:nvCxnSpPr>
+            <p:cNvPr id="14" name="직선 화살표 연결선 13"/>
+            <p:cNvCxnSpPr>
+              <a:stCxn id="5" idx="3"/>
+              <a:endCxn id="9" idx="1"/>
+            </p:cNvCxnSpPr>
+            <p:nvPr/>
+          </p:nvCxnSpPr>
+          <p:spPr>
+            <a:xfrm>
+              <a:off x="1916832" y="4283968"/>
+              <a:ext cx="432048" cy="0"/>
+            </a:xfrm>
+            <a:prstGeom prst="straightConnector1">
+              <a:avLst/>
+            </a:prstGeom>
+            <a:ln w="25400">
+              <a:solidFill>
+                <a:schemeClr val="tx1"/>
+              </a:solidFill>
+              <a:prstDash val="solid"/>
+              <a:headEnd type="diamond" w="lg" len="lg"/>
+              <a:tailEnd type="arrow"/>
+            </a:ln>
+          </p:spPr>
+          <p:style>
+            <a:lnRef idx="1">
+              <a:schemeClr val="accent1"/>
+            </a:lnRef>
+            <a:fillRef idx="0">
+              <a:schemeClr val="accent1"/>
+            </a:fillRef>
+            <a:effectRef idx="0">
+              <a:schemeClr val="accent1"/>
+            </a:effectRef>
+            <a:fontRef idx="minor">
+              <a:schemeClr val="tx1"/>
+            </a:fontRef>
+          </p:style>
+        </p:cxnSp>
+        <p:cxnSp>
+          <p:nvCxnSpPr>
+            <p:cNvPr id="17" name="직선 화살표 연결선 16"/>
+            <p:cNvCxnSpPr/>
+            <p:nvPr/>
+          </p:nvCxnSpPr>
+          <p:spPr>
+            <a:xfrm flipV="1">
+              <a:off x="1916832" y="3059832"/>
+              <a:ext cx="936104" cy="900100"/>
+            </a:xfrm>
+            <a:prstGeom prst="straightConnector1">
+              <a:avLst/>
+            </a:prstGeom>
+            <a:ln w="25400">
+              <a:solidFill>
+                <a:schemeClr val="tx1"/>
+              </a:solidFill>
+              <a:prstDash val="solid"/>
+              <a:headEnd type="diamond" w="lg" len="lg"/>
+              <a:tailEnd type="arrow"/>
+            </a:ln>
+          </p:spPr>
+          <p:style>
+            <a:lnRef idx="1">
+              <a:schemeClr val="accent1"/>
+            </a:lnRef>
+            <a:fillRef idx="0">
+              <a:schemeClr val="accent1"/>
+            </a:fillRef>
+            <a:effectRef idx="0">
+              <a:schemeClr val="accent1"/>
+            </a:effectRef>
+            <a:fontRef idx="minor">
+              <a:schemeClr val="tx1"/>
+            </a:fontRef>
+          </p:style>
+        </p:cxnSp>
+        <p:sp>
+          <p:nvSpPr>
+            <p:cNvPr id="21" name="TextBox 22"/>
+            <p:cNvSpPr txBox="1">
+              <a:spLocks noChangeArrowheads="1"/>
+            </p:cNvSpPr>
+            <p:nvPr/>
+          </p:nvSpPr>
+          <p:spPr bwMode="auto">
+            <a:xfrm>
+              <a:off x="1772816" y="5436096"/>
+              <a:ext cx="797013" cy="369332"/>
+            </a:xfrm>
+            <a:prstGeom prst="rect">
+              <a:avLst/>
+            </a:prstGeom>
+            <a:noFill/>
+            <a:ln>
+              <a:noFill/>
+            </a:ln>
+            <a:extLst>
+              <a:ext uri="{909E8E84-426E-40DD-AFC4-6F175D3DCCD1}">
+                <a14:hiddenFill xmlns:a14="http://schemas.microsoft.com/office/drawing/2010/main">
+                  <a:solidFill>
+                    <a:srgbClr val="FFFFFF"/>
+                  </a:solidFill>
+                </a14:hiddenFill>
+              </a:ext>
+              <a:ext uri="{91240B29-F687-4F45-9708-019B960494DF}">
+                <a14:hiddenLine xmlns:a14="http://schemas.microsoft.com/office/drawing/2010/main" w="9525">
+                  <a:solidFill>
+                    <a:srgbClr val="000000"/>
+                  </a:solidFill>
+                  <a:miter lim="800000"/>
+                  <a:headEnd/>
+                  <a:tailEnd/>
+                </a14:hiddenLine>
+              </a:ext>
+            </a:extLst>
+          </p:spPr>
+          <p:txBody>
+            <a:bodyPr wrap="none">
+              <a:spAutoFit/>
+            </a:bodyPr>
+            <a:lstStyle>
+              <a:lvl1pPr eaLnBrk="0" hangingPunct="0">
+                <a:defRPr kumimoji="1">
+                  <a:solidFill>
+                    <a:schemeClr val="tx1"/>
+                  </a:solidFill>
+                  <a:latin typeface="굴림" charset="-127"/>
+                  <a:ea typeface="굴림" charset="-127"/>
+                </a:defRPr>
+              </a:lvl1pPr>
+              <a:lvl2pPr marL="742950" indent="-285750" eaLnBrk="0" hangingPunct="0">
+                <a:defRPr kumimoji="1">
+                  <a:solidFill>
+                    <a:schemeClr val="tx1"/>
+                  </a:solidFill>
+                  <a:latin typeface="굴림" charset="-127"/>
+                  <a:ea typeface="굴림" charset="-127"/>
+                </a:defRPr>
+              </a:lvl2pPr>
+              <a:lvl3pPr marL="1143000" indent="-228600" eaLnBrk="0" hangingPunct="0">
+                <a:defRPr kumimoji="1">
+                  <a:solidFill>
+                    <a:schemeClr val="tx1"/>
+                  </a:solidFill>
+                  <a:latin typeface="굴림" charset="-127"/>
+                  <a:ea typeface="굴림" charset="-127"/>
+                </a:defRPr>
+              </a:lvl3pPr>
+              <a:lvl4pPr marL="1600200" indent="-228600" eaLnBrk="0" hangingPunct="0">
+                <a:defRPr kumimoji="1">
+                  <a:solidFill>
+                    <a:schemeClr val="tx1"/>
+                  </a:solidFill>
+                  <a:latin typeface="굴림" charset="-127"/>
+                  <a:ea typeface="굴림" charset="-127"/>
+                </a:defRPr>
+              </a:lvl4pPr>
+              <a:lvl5pPr marL="2057400" indent="-228600" eaLnBrk="0" hangingPunct="0">
+                <a:defRPr kumimoji="1">
+                  <a:solidFill>
+                    <a:schemeClr val="tx1"/>
+                  </a:solidFill>
+                  <a:latin typeface="굴림" charset="-127"/>
+                  <a:ea typeface="굴림" charset="-127"/>
+                </a:defRPr>
+              </a:lvl5pPr>
+              <a:lvl6pPr marL="2514600" indent="-228600" eaLnBrk="0" fontAlgn="base" hangingPunct="0">
+                <a:spcBef>
+                  <a:spcPct val="0"/>
+                </a:spcBef>
+                <a:spcAft>
+                  <a:spcPct val="0"/>
+                </a:spcAft>
+                <a:defRPr kumimoji="1">
+                  <a:solidFill>
+                    <a:schemeClr val="tx1"/>
+                  </a:solidFill>
+                  <a:latin typeface="굴림" charset="-127"/>
+                  <a:ea typeface="굴림" charset="-127"/>
+                </a:defRPr>
+              </a:lvl6pPr>
+              <a:lvl7pPr marL="2971800" indent="-228600" eaLnBrk="0" fontAlgn="base" hangingPunct="0">
+                <a:spcBef>
+                  <a:spcPct val="0"/>
+                </a:spcBef>
+                <a:spcAft>
+                  <a:spcPct val="0"/>
+                </a:spcAft>
+                <a:defRPr kumimoji="1">
+                  <a:solidFill>
+                    <a:schemeClr val="tx1"/>
+                  </a:solidFill>
+                  <a:latin typeface="굴림" charset="-127"/>
+                  <a:ea typeface="굴림" charset="-127"/>
+                </a:defRPr>
+              </a:lvl7pPr>
+              <a:lvl8pPr marL="3429000" indent="-228600" eaLnBrk="0" fontAlgn="base" hangingPunct="0">
+                <a:spcBef>
+                  <a:spcPct val="0"/>
+                </a:spcBef>
+                <a:spcAft>
+                  <a:spcPct val="0"/>
+                </a:spcAft>
+                <a:defRPr kumimoji="1">
+                  <a:solidFill>
+                    <a:schemeClr val="tx1"/>
+                  </a:solidFill>
+                  <a:latin typeface="굴림" charset="-127"/>
+                  <a:ea typeface="굴림" charset="-127"/>
+                </a:defRPr>
+              </a:lvl8pPr>
+              <a:lvl9pPr marL="3886200" indent="-228600" eaLnBrk="0" fontAlgn="base" hangingPunct="0">
+                <a:spcBef>
+                  <a:spcPct val="0"/>
+                </a:spcBef>
+                <a:spcAft>
+                  <a:spcPct val="0"/>
+                </a:spcAft>
+                <a:defRPr kumimoji="1">
+                  <a:solidFill>
+                    <a:schemeClr val="tx1"/>
+                  </a:solidFill>
+                  <a:latin typeface="굴림" charset="-127"/>
+                  <a:ea typeface="굴림" charset="-127"/>
+                </a:defRPr>
+              </a:lvl9pPr>
+            </a:lstStyle>
+            <a:p>
+              <a:pPr eaLnBrk="1" hangingPunct="1"/>
+              <a:r>
+                <a:rPr lang="en-US" altLang="ko-KR" dirty="0" smtClean="0"/>
+                <a:t>Client</a:t>
+              </a:r>
+              <a:endParaRPr lang="ko-KR" altLang="en-US" dirty="0"/>
+            </a:p>
+          </p:txBody>
+        </p:sp>
+        <p:cxnSp>
+          <p:nvCxnSpPr>
+            <p:cNvPr id="23" name="직선 화살표 연결선 22"/>
+            <p:cNvCxnSpPr/>
+            <p:nvPr/>
+          </p:nvCxnSpPr>
+          <p:spPr>
+            <a:xfrm flipV="1">
+              <a:off x="1772816" y="4632738"/>
+              <a:ext cx="1" cy="648071"/>
+            </a:xfrm>
+            <a:prstGeom prst="straightConnector1">
+              <a:avLst/>
+            </a:prstGeom>
+            <a:ln w="25400">
+              <a:solidFill>
+                <a:schemeClr val="tx1"/>
+              </a:solidFill>
+              <a:prstDash val="sysDash"/>
+              <a:tailEnd type="arrow"/>
+            </a:ln>
+          </p:spPr>
+          <p:style>
+            <a:lnRef idx="1">
+              <a:schemeClr val="accent1"/>
+            </a:lnRef>
+            <a:fillRef idx="0">
+              <a:schemeClr val="accent1"/>
+            </a:fillRef>
+            <a:effectRef idx="0">
+              <a:schemeClr val="accent1"/>
+            </a:effectRef>
+            <a:fontRef idx="minor">
+              <a:schemeClr val="tx1"/>
+            </a:fontRef>
+          </p:style>
+        </p:cxnSp>
+        <p:cxnSp>
+          <p:nvCxnSpPr>
+            <p:cNvPr id="26" name="직선 화살표 연결선 25"/>
+            <p:cNvCxnSpPr/>
+            <p:nvPr/>
+          </p:nvCxnSpPr>
+          <p:spPr>
+            <a:xfrm>
+              <a:off x="2492896" y="4644008"/>
+              <a:ext cx="1" cy="648071"/>
+            </a:xfrm>
+            <a:prstGeom prst="straightConnector1">
+              <a:avLst/>
+            </a:prstGeom>
+            <a:ln w="25400">
+              <a:solidFill>
+                <a:schemeClr val="tx1"/>
+              </a:solidFill>
+              <a:prstDash val="sysDash"/>
+              <a:tailEnd type="arrow"/>
+            </a:ln>
+          </p:spPr>
+          <p:style>
+            <a:lnRef idx="1">
+              <a:schemeClr val="accent1"/>
+            </a:lnRef>
+            <a:fillRef idx="0">
+              <a:schemeClr val="accent1"/>
+            </a:fillRef>
+            <a:effectRef idx="0">
+              <a:schemeClr val="accent1"/>
+            </a:effectRef>
+            <a:fontRef idx="minor">
+              <a:schemeClr val="tx1"/>
+            </a:fontRef>
+          </p:style>
+        </p:cxnSp>
+        <p:sp>
+          <p:nvSpPr>
+            <p:cNvPr id="27" name="TextBox 22"/>
+            <p:cNvSpPr txBox="1">
+              <a:spLocks noChangeArrowheads="1"/>
+            </p:cNvSpPr>
+            <p:nvPr/>
+          </p:nvSpPr>
+          <p:spPr bwMode="auto">
+            <a:xfrm>
+              <a:off x="3354178" y="1394356"/>
+              <a:ext cx="506870" cy="369332"/>
+            </a:xfrm>
+            <a:prstGeom prst="rect">
+              <a:avLst/>
+            </a:prstGeom>
+            <a:noFill/>
+            <a:ln>
+              <a:noFill/>
+            </a:ln>
+            <a:extLst>
+              <a:ext uri="{909E8E84-426E-40DD-AFC4-6F175D3DCCD1}">
+                <a14:hiddenFill xmlns:a14="http://schemas.microsoft.com/office/drawing/2010/main">
+                  <a:solidFill>
+                    <a:srgbClr val="FFFFFF"/>
+                  </a:solidFill>
+                </a14:hiddenFill>
+              </a:ext>
+              <a:ext uri="{91240B29-F687-4F45-9708-019B960494DF}">
+                <a14:hiddenLine xmlns:a14="http://schemas.microsoft.com/office/drawing/2010/main" w="9525">
+                  <a:solidFill>
+                    <a:srgbClr val="000000"/>
+                  </a:solidFill>
+                  <a:miter lim="800000"/>
+                  <a:headEnd/>
+                  <a:tailEnd/>
+                </a14:hiddenLine>
+              </a:ext>
+            </a:extLst>
+          </p:spPr>
+          <p:txBody>
+            <a:bodyPr wrap="none">
+              <a:spAutoFit/>
+            </a:bodyPr>
+            <a:lstStyle>
+              <a:lvl1pPr eaLnBrk="0" hangingPunct="0">
+                <a:defRPr kumimoji="1">
+                  <a:solidFill>
+                    <a:schemeClr val="tx1"/>
+                  </a:solidFill>
+                  <a:latin typeface="굴림" charset="-127"/>
+                  <a:ea typeface="굴림" charset="-127"/>
+                </a:defRPr>
+              </a:lvl1pPr>
+              <a:lvl2pPr marL="742950" indent="-285750" eaLnBrk="0" hangingPunct="0">
+                <a:defRPr kumimoji="1">
+                  <a:solidFill>
+                    <a:schemeClr val="tx1"/>
+                  </a:solidFill>
+                  <a:latin typeface="굴림" charset="-127"/>
+                  <a:ea typeface="굴림" charset="-127"/>
+                </a:defRPr>
+              </a:lvl2pPr>
+              <a:lvl3pPr marL="1143000" indent="-228600" eaLnBrk="0" hangingPunct="0">
+                <a:defRPr kumimoji="1">
+                  <a:solidFill>
+                    <a:schemeClr val="tx1"/>
+                  </a:solidFill>
+                  <a:latin typeface="굴림" charset="-127"/>
+                  <a:ea typeface="굴림" charset="-127"/>
+                </a:defRPr>
+              </a:lvl3pPr>
+              <a:lvl4pPr marL="1600200" indent="-228600" eaLnBrk="0" hangingPunct="0">
+                <a:defRPr kumimoji="1">
+                  <a:solidFill>
+                    <a:schemeClr val="tx1"/>
+                  </a:solidFill>
+                  <a:latin typeface="굴림" charset="-127"/>
+                  <a:ea typeface="굴림" charset="-127"/>
+                </a:defRPr>
+              </a:lvl4pPr>
+              <a:lvl5pPr marL="2057400" indent="-228600" eaLnBrk="0" hangingPunct="0">
+                <a:defRPr kumimoji="1">
+                  <a:solidFill>
+                    <a:schemeClr val="tx1"/>
+                  </a:solidFill>
+                  <a:latin typeface="굴림" charset="-127"/>
+                  <a:ea typeface="굴림" charset="-127"/>
+                </a:defRPr>
+              </a:lvl5pPr>
+              <a:lvl6pPr marL="2514600" indent="-228600" eaLnBrk="0" fontAlgn="base" hangingPunct="0">
+                <a:spcBef>
+                  <a:spcPct val="0"/>
+                </a:spcBef>
+                <a:spcAft>
+                  <a:spcPct val="0"/>
+                </a:spcAft>
+                <a:defRPr kumimoji="1">
+                  <a:solidFill>
+                    <a:schemeClr val="tx1"/>
+                  </a:solidFill>
+                  <a:latin typeface="굴림" charset="-127"/>
+                  <a:ea typeface="굴림" charset="-127"/>
+                </a:defRPr>
+              </a:lvl6pPr>
+              <a:lvl7pPr marL="2971800" indent="-228600" eaLnBrk="0" fontAlgn="base" hangingPunct="0">
+                <a:spcBef>
+                  <a:spcPct val="0"/>
+                </a:spcBef>
+                <a:spcAft>
+                  <a:spcPct val="0"/>
+                </a:spcAft>
+                <a:defRPr kumimoji="1">
+                  <a:solidFill>
+                    <a:schemeClr val="tx1"/>
+                  </a:solidFill>
+                  <a:latin typeface="굴림" charset="-127"/>
+                  <a:ea typeface="굴림" charset="-127"/>
+                </a:defRPr>
+              </a:lvl7pPr>
+              <a:lvl8pPr marL="3429000" indent="-228600" eaLnBrk="0" fontAlgn="base" hangingPunct="0">
+                <a:spcBef>
+                  <a:spcPct val="0"/>
+                </a:spcBef>
+                <a:spcAft>
+                  <a:spcPct val="0"/>
+                </a:spcAft>
+                <a:defRPr kumimoji="1">
+                  <a:solidFill>
+                    <a:schemeClr val="tx1"/>
+                  </a:solidFill>
+                  <a:latin typeface="굴림" charset="-127"/>
+                  <a:ea typeface="굴림" charset="-127"/>
+                </a:defRPr>
+              </a:lvl8pPr>
+              <a:lvl9pPr marL="3886200" indent="-228600" eaLnBrk="0" fontAlgn="base" hangingPunct="0">
+                <a:spcBef>
+                  <a:spcPct val="0"/>
+                </a:spcBef>
+                <a:spcAft>
+                  <a:spcPct val="0"/>
+                </a:spcAft>
+                <a:defRPr kumimoji="1">
+                  <a:solidFill>
+                    <a:schemeClr val="tx1"/>
+                  </a:solidFill>
+                  <a:latin typeface="굴림" charset="-127"/>
+                  <a:ea typeface="굴림" charset="-127"/>
+                </a:defRPr>
+              </a:lvl9pPr>
+            </a:lstStyle>
+            <a:p>
+              <a:pPr eaLnBrk="1" hangingPunct="1"/>
+              <a:r>
+                <a:rPr lang="en-US" altLang="ko-KR" dirty="0" smtClean="0"/>
+                <a:t>DB</a:t>
+              </a:r>
+              <a:endParaRPr lang="ko-KR" altLang="en-US" dirty="0"/>
+            </a:p>
+          </p:txBody>
+        </p:sp>
+        <p:cxnSp>
+          <p:nvCxnSpPr>
+            <p:cNvPr id="28" name="직선 화살표 연결선 27"/>
+            <p:cNvCxnSpPr/>
+            <p:nvPr/>
+          </p:nvCxnSpPr>
+          <p:spPr>
+            <a:xfrm flipV="1">
+              <a:off x="3356991" y="1752419"/>
+              <a:ext cx="1" cy="648071"/>
+            </a:xfrm>
+            <a:prstGeom prst="straightConnector1">
+              <a:avLst/>
+            </a:prstGeom>
+            <a:ln w="25400">
+              <a:solidFill>
+                <a:schemeClr val="tx1"/>
+              </a:solidFill>
+              <a:prstDash val="sysDash"/>
+              <a:tailEnd type="arrow"/>
+            </a:ln>
+          </p:spPr>
+          <p:style>
+            <a:lnRef idx="1">
+              <a:schemeClr val="accent1"/>
+            </a:lnRef>
+            <a:fillRef idx="0">
+              <a:schemeClr val="accent1"/>
+            </a:fillRef>
+            <a:effectRef idx="0">
+              <a:schemeClr val="accent1"/>
+            </a:effectRef>
+            <a:fontRef idx="minor">
+              <a:schemeClr val="tx1"/>
+            </a:fontRef>
+          </p:style>
+        </p:cxnSp>
+        <p:cxnSp>
+          <p:nvCxnSpPr>
+            <p:cNvPr id="29" name="직선 화살표 연결선 28"/>
+            <p:cNvCxnSpPr/>
+            <p:nvPr/>
+          </p:nvCxnSpPr>
+          <p:spPr>
+            <a:xfrm>
+              <a:off x="3789040" y="1763689"/>
+              <a:ext cx="1" cy="648071"/>
+            </a:xfrm>
+            <a:prstGeom prst="straightConnector1">
+              <a:avLst/>
+            </a:prstGeom>
+            <a:ln w="25400">
+              <a:solidFill>
+                <a:schemeClr val="tx1"/>
+              </a:solidFill>
+              <a:prstDash val="sysDash"/>
+              <a:tailEnd type="arrow"/>
+            </a:ln>
+          </p:spPr>
+          <p:style>
+            <a:lnRef idx="1">
+              <a:schemeClr val="accent1"/>
+            </a:lnRef>
+            <a:fillRef idx="0">
+              <a:schemeClr val="accent1"/>
+            </a:fillRef>
+            <a:effectRef idx="0">
+              <a:schemeClr val="accent1"/>
+            </a:effectRef>
+            <a:fontRef idx="minor">
+              <a:schemeClr val="tx1"/>
+            </a:fontRef>
+          </p:style>
+        </p:cxnSp>
+        <p:sp>
+          <p:nvSpPr>
+            <p:cNvPr id="31" name="TextBox 22"/>
+            <p:cNvSpPr txBox="1">
+              <a:spLocks noChangeArrowheads="1"/>
+            </p:cNvSpPr>
+            <p:nvPr/>
+          </p:nvSpPr>
+          <p:spPr bwMode="auto">
+            <a:xfrm>
+              <a:off x="836712" y="5004825"/>
+              <a:ext cx="872355" cy="307777"/>
+            </a:xfrm>
+            <a:prstGeom prst="rect">
+              <a:avLst/>
+            </a:prstGeom>
+            <a:noFill/>
+            <a:ln>
+              <a:noFill/>
+            </a:ln>
+            <a:extLst>
+              <a:ext uri="{909E8E84-426E-40DD-AFC4-6F175D3DCCD1}">
+                <a14:hiddenFill xmlns:a14="http://schemas.microsoft.com/office/drawing/2010/main">
+                  <a:solidFill>
+                    <a:srgbClr val="FFFFFF"/>
+                  </a:solidFill>
+                </a14:hiddenFill>
+              </a:ext>
+              <a:ext uri="{91240B29-F687-4F45-9708-019B960494DF}">
+                <a14:hiddenLine xmlns:a14="http://schemas.microsoft.com/office/drawing/2010/main" w="9525">
+                  <a:solidFill>
+                    <a:srgbClr val="000000"/>
+                  </a:solidFill>
+                  <a:miter lim="800000"/>
+                  <a:headEnd/>
+                  <a:tailEnd/>
+                </a14:hiddenLine>
+              </a:ext>
+            </a:extLst>
+          </p:spPr>
+          <p:txBody>
+            <a:bodyPr wrap="none">
+              <a:spAutoFit/>
+            </a:bodyPr>
+            <a:lstStyle>
+              <a:lvl1pPr eaLnBrk="0" hangingPunct="0">
+                <a:defRPr kumimoji="1">
+                  <a:solidFill>
+                    <a:schemeClr val="tx1"/>
+                  </a:solidFill>
+                  <a:latin typeface="굴림" charset="-127"/>
+                  <a:ea typeface="굴림" charset="-127"/>
+                </a:defRPr>
+              </a:lvl1pPr>
+              <a:lvl2pPr marL="742950" indent="-285750" eaLnBrk="0" hangingPunct="0">
+                <a:defRPr kumimoji="1">
+                  <a:solidFill>
+                    <a:schemeClr val="tx1"/>
+                  </a:solidFill>
+                  <a:latin typeface="굴림" charset="-127"/>
+                  <a:ea typeface="굴림" charset="-127"/>
+                </a:defRPr>
+              </a:lvl2pPr>
+              <a:lvl3pPr marL="1143000" indent="-228600" eaLnBrk="0" hangingPunct="0">
+                <a:defRPr kumimoji="1">
+                  <a:solidFill>
+                    <a:schemeClr val="tx1"/>
+                  </a:solidFill>
+                  <a:latin typeface="굴림" charset="-127"/>
+                  <a:ea typeface="굴림" charset="-127"/>
+                </a:defRPr>
+              </a:lvl3pPr>
+              <a:lvl4pPr marL="1600200" indent="-228600" eaLnBrk="0" hangingPunct="0">
+                <a:defRPr kumimoji="1">
+                  <a:solidFill>
+                    <a:schemeClr val="tx1"/>
+                  </a:solidFill>
+                  <a:latin typeface="굴림" charset="-127"/>
+                  <a:ea typeface="굴림" charset="-127"/>
+                </a:defRPr>
+              </a:lvl4pPr>
+              <a:lvl5pPr marL="2057400" indent="-228600" eaLnBrk="0" hangingPunct="0">
+                <a:defRPr kumimoji="1">
+                  <a:solidFill>
+                    <a:schemeClr val="tx1"/>
+                  </a:solidFill>
+                  <a:latin typeface="굴림" charset="-127"/>
+                  <a:ea typeface="굴림" charset="-127"/>
+                </a:defRPr>
+              </a:lvl5pPr>
+              <a:lvl6pPr marL="2514600" indent="-228600" eaLnBrk="0" fontAlgn="base" hangingPunct="0">
+                <a:spcBef>
+                  <a:spcPct val="0"/>
+                </a:spcBef>
+                <a:spcAft>
+                  <a:spcPct val="0"/>
+                </a:spcAft>
+                <a:defRPr kumimoji="1">
+                  <a:solidFill>
+                    <a:schemeClr val="tx1"/>
+                  </a:solidFill>
+                  <a:latin typeface="굴림" charset="-127"/>
+                  <a:ea typeface="굴림" charset="-127"/>
+                </a:defRPr>
+              </a:lvl6pPr>
+              <a:lvl7pPr marL="2971800" indent="-228600" eaLnBrk="0" fontAlgn="base" hangingPunct="0">
+                <a:spcBef>
+                  <a:spcPct val="0"/>
+                </a:spcBef>
+                <a:spcAft>
+                  <a:spcPct val="0"/>
+                </a:spcAft>
+                <a:defRPr kumimoji="1">
+                  <a:solidFill>
+                    <a:schemeClr val="tx1"/>
+                  </a:solidFill>
+                  <a:latin typeface="굴림" charset="-127"/>
+                  <a:ea typeface="굴림" charset="-127"/>
+                </a:defRPr>
+              </a:lvl7pPr>
+              <a:lvl8pPr marL="3429000" indent="-228600" eaLnBrk="0" fontAlgn="base" hangingPunct="0">
+                <a:spcBef>
+                  <a:spcPct val="0"/>
+                </a:spcBef>
+                <a:spcAft>
+                  <a:spcPct val="0"/>
+                </a:spcAft>
+                <a:defRPr kumimoji="1">
+                  <a:solidFill>
+                    <a:schemeClr val="tx1"/>
+                  </a:solidFill>
+                  <a:latin typeface="굴림" charset="-127"/>
+                  <a:ea typeface="굴림" charset="-127"/>
+                </a:defRPr>
+              </a:lvl8pPr>
+              <a:lvl9pPr marL="3886200" indent="-228600" eaLnBrk="0" fontAlgn="base" hangingPunct="0">
+                <a:spcBef>
+                  <a:spcPct val="0"/>
+                </a:spcBef>
+                <a:spcAft>
+                  <a:spcPct val="0"/>
+                </a:spcAft>
+                <a:defRPr kumimoji="1">
+                  <a:solidFill>
+                    <a:schemeClr val="tx1"/>
+                  </a:solidFill>
+                  <a:latin typeface="굴림" charset="-127"/>
+                  <a:ea typeface="굴림" charset="-127"/>
+                </a:defRPr>
+              </a:lvl9pPr>
+            </a:lstStyle>
+            <a:p>
+              <a:pPr eaLnBrk="1" hangingPunct="1"/>
+              <a:r>
+                <a:rPr lang="en-US" altLang="ko-KR" sz="1400" dirty="0" smtClean="0"/>
+                <a:t>Request</a:t>
+              </a:r>
+              <a:endParaRPr lang="ko-KR" altLang="en-US" sz="1400" dirty="0"/>
+            </a:p>
+          </p:txBody>
+        </p:sp>
+        <p:sp>
+          <p:nvSpPr>
+            <p:cNvPr id="33" name="직사각형 32"/>
+            <p:cNvSpPr/>
+            <p:nvPr/>
+          </p:nvSpPr>
+          <p:spPr bwMode="auto">
+            <a:xfrm>
+              <a:off x="4293096" y="3959932"/>
+              <a:ext cx="1440160" cy="648072"/>
+            </a:xfrm>
+            <a:prstGeom prst="rect">
+              <a:avLst/>
+            </a:prstGeom>
+            <a:solidFill>
+              <a:srgbClr val="4F81BD"/>
+            </a:solidFill>
+            <a:ln w="25400">
+              <a:solidFill>
+                <a:srgbClr val="243F60"/>
+              </a:solidFill>
+              <a:miter lim="800000"/>
+              <a:headEnd/>
+              <a:tailEnd/>
+            </a:ln>
+          </p:spPr>
+          <p:txBody>
+            <a:bodyPr vert="horz" wrap="square" lIns="91440" tIns="45720" rIns="91440" bIns="45720" numCol="1" rtlCol="0" anchor="ctr" anchorCtr="0" compatLnSpc="1">
+              <a:prstTxWarp prst="textNoShape">
+                <a:avLst/>
+              </a:prstTxWarp>
+            </a:bodyPr>
+            <a:lstStyle/>
+            <a:p>
+              <a:pPr marL="0" marR="0" indent="0" algn="ctr" defTabSz="914400" rtl="0" eaLnBrk="1" fontAlgn="base" latinLnBrk="1" hangingPunct="1">
+                <a:lnSpc>
+                  <a:spcPct val="100000"/>
+                </a:lnSpc>
+                <a:spcBef>
+                  <a:spcPct val="0"/>
+                </a:spcBef>
+                <a:spcAft>
+                  <a:spcPct val="0"/>
+                </a:spcAft>
+                <a:buClrTx/>
+                <a:buSzTx/>
+                <a:buFontTx/>
+                <a:buNone/>
+                <a:tabLst/>
+              </a:pPr>
+              <a:r>
+                <a:rPr kumimoji="1" lang="en-US" altLang="ko-KR" sz="1200" dirty="0" smtClean="0">
+                  <a:solidFill>
+                    <a:srgbClr val="FFFFFF"/>
+                  </a:solidFill>
+                  <a:latin typeface="맑은 고딕" pitchFamily="50" charset="-127"/>
+                  <a:ea typeface="맑은 고딕" pitchFamily="50" charset="-127"/>
+                  <a:cs typeface="Times New Roman" pitchFamily="18" charset="0"/>
+                </a:rPr>
+                <a:t>Data Model</a:t>
+              </a:r>
+              <a:endParaRPr kumimoji="1" lang="ko-KR" altLang="en-US" sz="1200" dirty="0" err="1" smtClean="0">
+                <a:solidFill>
+                  <a:srgbClr val="FFFFFF"/>
+                </a:solidFill>
+                <a:latin typeface="맑은 고딕" pitchFamily="50" charset="-127"/>
+                <a:ea typeface="맑은 고딕" pitchFamily="50" charset="-127"/>
+                <a:cs typeface="Times New Roman" pitchFamily="18" charset="0"/>
+              </a:endParaRPr>
+            </a:p>
+          </p:txBody>
+        </p:sp>
+        <p:cxnSp>
+          <p:nvCxnSpPr>
+            <p:cNvPr id="34" name="직선 화살표 연결선 33"/>
+            <p:cNvCxnSpPr/>
+            <p:nvPr/>
+          </p:nvCxnSpPr>
+          <p:spPr>
+            <a:xfrm>
+              <a:off x="3861048" y="4283968"/>
+              <a:ext cx="432048" cy="0"/>
+            </a:xfrm>
+            <a:prstGeom prst="straightConnector1">
+              <a:avLst/>
+            </a:prstGeom>
+            <a:ln w="25400">
+              <a:solidFill>
+                <a:schemeClr val="tx1"/>
+              </a:solidFill>
+              <a:prstDash val="solid"/>
+              <a:headEnd type="diamond" w="lg" len="lg"/>
+              <a:tailEnd type="arrow"/>
+            </a:ln>
+          </p:spPr>
+          <p:style>
+            <a:lnRef idx="1">
+              <a:schemeClr val="accent1"/>
+            </a:lnRef>
+            <a:fillRef idx="0">
+              <a:schemeClr val="accent1"/>
+            </a:fillRef>
+            <a:effectRef idx="0">
+              <a:schemeClr val="accent1"/>
+            </a:effectRef>
+            <a:fontRef idx="minor">
+              <a:schemeClr val="tx1"/>
+            </a:fontRef>
+          </p:style>
+        </p:cxnSp>
+        <p:sp>
+          <p:nvSpPr>
+            <p:cNvPr id="36" name="직사각형 35"/>
+            <p:cNvSpPr/>
+            <p:nvPr/>
+          </p:nvSpPr>
+          <p:spPr bwMode="auto">
+            <a:xfrm>
+              <a:off x="4293096" y="4932040"/>
+              <a:ext cx="1440160" cy="648072"/>
+            </a:xfrm>
+            <a:prstGeom prst="rect">
+              <a:avLst/>
+            </a:prstGeom>
+            <a:solidFill>
+              <a:srgbClr val="4F81BD"/>
+            </a:solidFill>
+            <a:ln w="25400">
+              <a:solidFill>
+                <a:srgbClr val="243F60"/>
+              </a:solidFill>
+              <a:miter lim="800000"/>
+              <a:headEnd/>
+              <a:tailEnd/>
+            </a:ln>
+          </p:spPr>
+          <p:txBody>
+            <a:bodyPr vert="horz" wrap="square" lIns="91440" tIns="45720" rIns="91440" bIns="45720" numCol="1" rtlCol="0" anchor="ctr" anchorCtr="0" compatLnSpc="1">
+              <a:prstTxWarp prst="textNoShape">
+                <a:avLst/>
+              </a:prstTxWarp>
+            </a:bodyPr>
+            <a:lstStyle/>
+            <a:p>
+              <a:pPr marL="0" marR="0" indent="0" algn="ctr" defTabSz="914400" rtl="0" eaLnBrk="1" fontAlgn="base" latinLnBrk="1" hangingPunct="1">
+                <a:lnSpc>
+                  <a:spcPct val="100000"/>
+                </a:lnSpc>
+                <a:spcBef>
+                  <a:spcPct val="0"/>
+                </a:spcBef>
+                <a:spcAft>
+                  <a:spcPct val="0"/>
+                </a:spcAft>
+                <a:buClrTx/>
+                <a:buSzTx/>
+                <a:buFontTx/>
+                <a:buNone/>
+                <a:tabLst/>
+              </a:pPr>
+              <a:r>
+                <a:rPr kumimoji="1" lang="en-US" altLang="ko-KR" sz="1200" dirty="0" smtClean="0">
+                  <a:solidFill>
+                    <a:srgbClr val="FFFFFF"/>
+                  </a:solidFill>
+                  <a:latin typeface="맑은 고딕" pitchFamily="50" charset="-127"/>
+                  <a:ea typeface="맑은 고딕" pitchFamily="50" charset="-127"/>
+                  <a:cs typeface="Times New Roman" pitchFamily="18" charset="0"/>
+                </a:rPr>
+                <a:t>Data</a:t>
+              </a:r>
+              <a:endParaRPr kumimoji="1" lang="ko-KR" altLang="en-US" sz="1200" dirty="0" err="1" smtClean="0">
+                <a:solidFill>
+                  <a:srgbClr val="FFFFFF"/>
+                </a:solidFill>
+                <a:latin typeface="맑은 고딕" pitchFamily="50" charset="-127"/>
+                <a:ea typeface="맑은 고딕" pitchFamily="50" charset="-127"/>
+                <a:cs typeface="Times New Roman" pitchFamily="18" charset="0"/>
+              </a:endParaRPr>
+            </a:p>
+          </p:txBody>
+        </p:sp>
+        <p:cxnSp>
+          <p:nvCxnSpPr>
+            <p:cNvPr id="37" name="직선 화살표 연결선 36"/>
+            <p:cNvCxnSpPr>
+              <a:stCxn id="33" idx="2"/>
+              <a:endCxn id="36" idx="0"/>
+            </p:cNvCxnSpPr>
+            <p:nvPr/>
+          </p:nvCxnSpPr>
+          <p:spPr>
+            <a:xfrm>
+              <a:off x="5013176" y="4608004"/>
+              <a:ext cx="0" cy="324036"/>
+            </a:xfrm>
+            <a:prstGeom prst="straightConnector1">
+              <a:avLst/>
+            </a:prstGeom>
+            <a:ln w="25400">
+              <a:solidFill>
+                <a:schemeClr val="tx1"/>
+              </a:solidFill>
+              <a:prstDash val="solid"/>
+              <a:headEnd type="diamond" w="lg" len="lg"/>
+              <a:tailEnd type="arrow"/>
+            </a:ln>
+          </p:spPr>
+          <p:style>
+            <a:lnRef idx="1">
+              <a:schemeClr val="accent1"/>
+            </a:lnRef>
+            <a:fillRef idx="0">
+              <a:schemeClr val="accent1"/>
+            </a:fillRef>
+            <a:effectRef idx="0">
+              <a:schemeClr val="accent1"/>
+            </a:effectRef>
+            <a:fontRef idx="minor">
+              <a:schemeClr val="tx1"/>
+            </a:fontRef>
+          </p:style>
+        </p:cxnSp>
+      </p:grpSp>
+    </p:spTree>
+    <p:extLst>
+      <p:ext uri="{BB962C8B-B14F-4D97-AF65-F5344CB8AC3E}">
+        <p14:creationId xmlns:p14="http://schemas.microsoft.com/office/powerpoint/2010/main" val="2533255363"/>
+      </p:ext>
+    </p:extLst>
+  </p:cSld>
+  <p:clrMapOvr>
+    <a:masterClrMapping/>
+  </p:clrMapOvr>
+</p:sld>
+</file>
+
+<file path=ppt/slides/slide5.xml><?xml version="1.0" encoding="utf-8"?>
+<p:sld xmlns:a="http://schemas.openxmlformats.org/drawingml/2006/main" xmlns:r="http://schemas.openxmlformats.org/officeDocument/2006/relationships" xmlns:p="http://schemas.openxmlformats.org/presentationml/2006/main">
+  <p:cSld>
+    <p:spTree>
+      <p:nvGrpSpPr>
+        <p:cNvPr id="1" name=""/>
+        <p:cNvGrpSpPr/>
+        <p:nvPr/>
+      </p:nvGrpSpPr>
+      <p:grpSpPr>
+        <a:xfrm>
+          <a:off x="0" y="0"/>
+          <a:ext cx="0" cy="0"/>
+          <a:chOff x="0" y="0"/>
+          <a:chExt cx="0" cy="0"/>
+        </a:xfrm>
+      </p:grpSpPr>
+      <p:grpSp>
+        <p:nvGrpSpPr>
+          <p:cNvPr id="13" name="그룹 12"/>
+          <p:cNvGrpSpPr/>
+          <p:nvPr/>
+        </p:nvGrpSpPr>
+        <p:grpSpPr>
+          <a:xfrm>
+            <a:off x="1005136" y="2483768"/>
+            <a:ext cx="2317948" cy="4080048"/>
+            <a:chOff x="1005136" y="2483768"/>
+            <a:chExt cx="2317948" cy="4080048"/>
+          </a:xfrm>
+        </p:grpSpPr>
+        <p:sp>
+          <p:nvSpPr>
+            <p:cNvPr id="4" name="직사각형 3"/>
+            <p:cNvSpPr/>
+            <p:nvPr/>
+          </p:nvSpPr>
+          <p:spPr bwMode="auto">
+            <a:xfrm>
+              <a:off x="1005136" y="5699720"/>
+              <a:ext cx="2304256" cy="864096"/>
+            </a:xfrm>
+            <a:prstGeom prst="rect">
+              <a:avLst/>
+            </a:prstGeom>
+            <a:solidFill>
+              <a:srgbClr val="4F81BD"/>
+            </a:solidFill>
+            <a:ln w="25400">
+              <a:solidFill>
+                <a:srgbClr val="243F60"/>
+              </a:solidFill>
+              <a:miter lim="800000"/>
+              <a:headEnd/>
+              <a:tailEnd/>
+            </a:ln>
+          </p:spPr>
+          <p:txBody>
+            <a:bodyPr vert="horz" wrap="square" lIns="91440" tIns="45720" rIns="91440" bIns="45720" numCol="1" rtlCol="0" anchor="ctr" anchorCtr="0" compatLnSpc="1">
+              <a:prstTxWarp prst="textNoShape">
+                <a:avLst/>
+              </a:prstTxWarp>
+            </a:bodyPr>
+            <a:lstStyle/>
+            <a:p>
+              <a:pPr marL="0" marR="0" indent="0" algn="ctr" defTabSz="914400" rtl="0" eaLnBrk="1" fontAlgn="base" latinLnBrk="1" hangingPunct="1">
+                <a:lnSpc>
+                  <a:spcPct val="100000"/>
+                </a:lnSpc>
+                <a:spcBef>
+                  <a:spcPct val="0"/>
+                </a:spcBef>
+                <a:spcAft>
+                  <a:spcPct val="0"/>
+                </a:spcAft>
+                <a:buClrTx/>
+                <a:buSzTx/>
+                <a:buFontTx/>
+                <a:buNone/>
+                <a:tabLst/>
+              </a:pPr>
+              <a:r>
+                <a:rPr kumimoji="1" lang="en-US" altLang="ko-KR" sz="1200" dirty="0" err="1" smtClean="0">
+                  <a:solidFill>
+                    <a:srgbClr val="FFFFFF"/>
+                  </a:solidFill>
+                  <a:latin typeface="맑은 고딕" pitchFamily="50" charset="-127"/>
+                  <a:ea typeface="맑은 고딕" pitchFamily="50" charset="-127"/>
+                  <a:cs typeface="Times New Roman" pitchFamily="18" charset="0"/>
+                </a:rPr>
+                <a:t>DBAccess</a:t>
+              </a:r>
+              <a:endParaRPr kumimoji="1" lang="ko-KR" altLang="en-US" sz="1200" dirty="0" err="1" smtClean="0">
+                <a:solidFill>
+                  <a:srgbClr val="FFFFFF"/>
+                </a:solidFill>
+                <a:latin typeface="맑은 고딕" pitchFamily="50" charset="-127"/>
+                <a:ea typeface="맑은 고딕" pitchFamily="50" charset="-127"/>
+                <a:cs typeface="Times New Roman" pitchFamily="18" charset="0"/>
+              </a:endParaRPr>
+            </a:p>
+          </p:txBody>
+        </p:sp>
+        <p:sp>
+          <p:nvSpPr>
+            <p:cNvPr id="5" name="직사각형 4"/>
+            <p:cNvSpPr/>
+            <p:nvPr/>
+          </p:nvSpPr>
+          <p:spPr bwMode="auto">
+            <a:xfrm>
+              <a:off x="1011982" y="4139952"/>
+              <a:ext cx="2304256" cy="864096"/>
+            </a:xfrm>
+            <a:prstGeom prst="rect">
+              <a:avLst/>
+            </a:prstGeom>
+            <a:solidFill>
+              <a:srgbClr val="4F81BD"/>
+            </a:solidFill>
+            <a:ln w="25400">
+              <a:solidFill>
+                <a:srgbClr val="243F60"/>
+              </a:solidFill>
+              <a:miter lim="800000"/>
+              <a:headEnd/>
+              <a:tailEnd/>
+            </a:ln>
+          </p:spPr>
+          <p:txBody>
+            <a:bodyPr vert="horz" wrap="square" lIns="91440" tIns="45720" rIns="91440" bIns="45720" numCol="1" rtlCol="0" anchor="ctr" anchorCtr="0" compatLnSpc="1">
+              <a:prstTxWarp prst="textNoShape">
+                <a:avLst/>
+              </a:prstTxWarp>
+            </a:bodyPr>
+            <a:lstStyle/>
+            <a:p>
+              <a:pPr marL="0" marR="0" indent="0" algn="ctr" defTabSz="914400" rtl="0" eaLnBrk="1" fontAlgn="base" latinLnBrk="1" hangingPunct="1">
+                <a:lnSpc>
+                  <a:spcPct val="100000"/>
+                </a:lnSpc>
+                <a:spcBef>
+                  <a:spcPct val="0"/>
+                </a:spcBef>
+                <a:spcAft>
+                  <a:spcPct val="0"/>
+                </a:spcAft>
+                <a:buClrTx/>
+                <a:buSzTx/>
+                <a:buFontTx/>
+                <a:buNone/>
+                <a:tabLst/>
+              </a:pPr>
+              <a:r>
+                <a:rPr kumimoji="1" lang="en-US" altLang="ko-KR" sz="1200" dirty="0" err="1" smtClean="0">
+                  <a:solidFill>
+                    <a:srgbClr val="FFFFFF"/>
+                  </a:solidFill>
+                  <a:latin typeface="맑은 고딕" pitchFamily="50" charset="-127"/>
+                  <a:ea typeface="맑은 고딕" pitchFamily="50" charset="-127"/>
+                  <a:cs typeface="Times New Roman" pitchFamily="18" charset="0"/>
+                </a:rPr>
+                <a:t>ConnectionFromSettingFile</a:t>
+              </a:r>
+              <a:endParaRPr kumimoji="1" lang="ko-KR" altLang="en-US" sz="1200" dirty="0" err="1" smtClean="0">
+                <a:solidFill>
+                  <a:srgbClr val="FFFFFF"/>
+                </a:solidFill>
+                <a:latin typeface="맑은 고딕" pitchFamily="50" charset="-127"/>
+                <a:ea typeface="맑은 고딕" pitchFamily="50" charset="-127"/>
+                <a:cs typeface="Times New Roman" pitchFamily="18" charset="0"/>
+              </a:endParaRPr>
+            </a:p>
+          </p:txBody>
+        </p:sp>
+        <p:sp>
+          <p:nvSpPr>
+            <p:cNvPr id="6" name="직사각형 5"/>
+            <p:cNvSpPr/>
+            <p:nvPr/>
+          </p:nvSpPr>
+          <p:spPr bwMode="auto">
+            <a:xfrm>
+              <a:off x="1018828" y="2483768"/>
+              <a:ext cx="2304256" cy="864096"/>
+            </a:xfrm>
+            <a:prstGeom prst="rect">
+              <a:avLst/>
+            </a:prstGeom>
+            <a:solidFill>
+              <a:srgbClr val="4F81BD"/>
+            </a:solidFill>
+            <a:ln w="25400">
+              <a:solidFill>
+                <a:srgbClr val="243F60"/>
+              </a:solidFill>
+              <a:miter lim="800000"/>
+              <a:headEnd/>
+              <a:tailEnd/>
+            </a:ln>
+          </p:spPr>
+          <p:txBody>
+            <a:bodyPr vert="horz" wrap="square" lIns="91440" tIns="45720" rIns="91440" bIns="45720" numCol="1" rtlCol="0" anchor="ctr" anchorCtr="0" compatLnSpc="1">
+              <a:prstTxWarp prst="textNoShape">
+                <a:avLst/>
+              </a:prstTxWarp>
+            </a:bodyPr>
+            <a:lstStyle/>
+            <a:p>
+              <a:pPr marL="0" marR="0" indent="0" algn="ctr" defTabSz="914400" rtl="0" eaLnBrk="1" fontAlgn="base" latinLnBrk="1" hangingPunct="1">
+                <a:lnSpc>
+                  <a:spcPct val="100000"/>
+                </a:lnSpc>
+                <a:spcBef>
+                  <a:spcPct val="0"/>
+                </a:spcBef>
+                <a:spcAft>
+                  <a:spcPct val="0"/>
+                </a:spcAft>
+                <a:buClrTx/>
+                <a:buSzTx/>
+                <a:buFontTx/>
+                <a:buNone/>
+                <a:tabLst/>
+              </a:pPr>
+              <a:r>
+                <a:rPr kumimoji="1" lang="en-US" altLang="ko-KR" sz="1200" dirty="0" smtClean="0">
+                  <a:solidFill>
+                    <a:srgbClr val="FFFFFF"/>
+                  </a:solidFill>
+                  <a:latin typeface="맑은 고딕" pitchFamily="50" charset="-127"/>
+                  <a:ea typeface="맑은 고딕" pitchFamily="50" charset="-127"/>
+                  <a:cs typeface="Times New Roman" pitchFamily="18" charset="0"/>
+                </a:rPr>
+                <a:t>Connectable</a:t>
+              </a:r>
+              <a:endParaRPr kumimoji="1" lang="ko-KR" altLang="en-US" sz="1200" dirty="0" err="1" smtClean="0">
+                <a:solidFill>
+                  <a:srgbClr val="FFFFFF"/>
+                </a:solidFill>
+                <a:latin typeface="맑은 고딕" pitchFamily="50" charset="-127"/>
+                <a:ea typeface="맑은 고딕" pitchFamily="50" charset="-127"/>
+                <a:cs typeface="Times New Roman" pitchFamily="18" charset="0"/>
+              </a:endParaRPr>
+            </a:p>
+          </p:txBody>
+        </p:sp>
+        <p:cxnSp>
+          <p:nvCxnSpPr>
+            <p:cNvPr id="8" name="직선 화살표 연결선 7"/>
+            <p:cNvCxnSpPr>
+              <a:stCxn id="4" idx="0"/>
+              <a:endCxn id="5" idx="2"/>
+            </p:cNvCxnSpPr>
+            <p:nvPr/>
+          </p:nvCxnSpPr>
+          <p:spPr>
+            <a:xfrm flipV="1">
+              <a:off x="2157264" y="5004048"/>
+              <a:ext cx="6846" cy="695672"/>
+            </a:xfrm>
+            <a:prstGeom prst="straightConnector1">
+              <a:avLst/>
+            </a:prstGeom>
+            <a:ln w="25400">
+              <a:solidFill>
+                <a:schemeClr val="tx1"/>
+              </a:solidFill>
+              <a:prstDash val="solid"/>
+              <a:headEnd type="diamond" w="lg" len="lg"/>
+              <a:tailEnd type="arrow"/>
+            </a:ln>
+          </p:spPr>
+          <p:style>
+            <a:lnRef idx="1">
+              <a:schemeClr val="accent1"/>
+            </a:lnRef>
+            <a:fillRef idx="0">
+              <a:schemeClr val="accent1"/>
+            </a:fillRef>
+            <a:effectRef idx="0">
+              <a:schemeClr val="accent1"/>
+            </a:effectRef>
+            <a:fontRef idx="minor">
+              <a:schemeClr val="tx1"/>
+            </a:fontRef>
+          </p:style>
+        </p:cxnSp>
+        <p:cxnSp>
+          <p:nvCxnSpPr>
+            <p:cNvPr id="9" name="직선 화살표 연결선 8"/>
+            <p:cNvCxnSpPr>
+              <a:stCxn id="5" idx="0"/>
+              <a:endCxn id="6" idx="2"/>
+            </p:cNvCxnSpPr>
+            <p:nvPr/>
+          </p:nvCxnSpPr>
+          <p:spPr>
+            <a:xfrm flipV="1">
+              <a:off x="2164110" y="3347864"/>
+              <a:ext cx="6846" cy="792088"/>
+            </a:xfrm>
+            <a:prstGeom prst="straightConnector1">
+              <a:avLst/>
+            </a:prstGeom>
+            <a:ln w="25400">
+              <a:solidFill>
+                <a:schemeClr val="tx1"/>
+              </a:solidFill>
+              <a:prstDash val="sysDash"/>
+              <a:headEnd type="none" w="lg" len="lg"/>
+              <a:tailEnd type="triangle"/>
+            </a:ln>
+          </p:spPr>
+          <p:style>
+            <a:lnRef idx="1">
+              <a:schemeClr val="accent1"/>
+            </a:lnRef>
+            <a:fillRef idx="0">
+              <a:schemeClr val="accent1"/>
+            </a:fillRef>
+            <a:effectRef idx="0">
+              <a:schemeClr val="accent1"/>
+            </a:effectRef>
+            <a:fontRef idx="minor">
+              <a:schemeClr val="tx1"/>
+            </a:fontRef>
+          </p:style>
+        </p:cxnSp>
+      </p:grpSp>
+    </p:spTree>
+    <p:extLst>
+      <p:ext uri="{BB962C8B-B14F-4D97-AF65-F5344CB8AC3E}">
+        <p14:creationId xmlns:p14="http://schemas.microsoft.com/office/powerpoint/2010/main" val="527956476"/>
+      </p:ext>
+    </p:extLst>
+  </p:cSld>
+  <p:clrMapOvr>
+    <a:masterClrMapping/>
+  </p:clrMapOvr>
+</p:sld>
+</file>
+
+<file path=ppt/slides/slide6.xml><?xml version="1.0" encoding="utf-8"?>
+<p:sld xmlns:a="http://schemas.openxmlformats.org/drawingml/2006/main" xmlns:r="http://schemas.openxmlformats.org/officeDocument/2006/relationships" xmlns:p="http://schemas.openxmlformats.org/presentationml/2006/main">
+  <p:cSld>
+    <p:spTree>
+      <p:nvGrpSpPr>
+        <p:cNvPr id="1" name=""/>
+        <p:cNvGrpSpPr/>
+        <p:nvPr/>
+      </p:nvGrpSpPr>
+      <p:grpSpPr>
+        <a:xfrm>
+          <a:off x="0" y="0"/>
+          <a:ext cx="0" cy="0"/>
+          <a:chOff x="0" y="0"/>
+          <a:chExt cx="0" cy="0"/>
+        </a:xfrm>
+      </p:grpSpPr>
+      <p:grpSp>
+        <p:nvGrpSpPr>
+          <p:cNvPr id="12" name="그룹 11"/>
+          <p:cNvGrpSpPr/>
+          <p:nvPr/>
+        </p:nvGrpSpPr>
+        <p:grpSpPr>
+          <a:xfrm>
+            <a:off x="1011982" y="2483768"/>
+            <a:ext cx="5441354" cy="2520280"/>
+            <a:chOff x="1011982" y="2483768"/>
+            <a:chExt cx="5441354" cy="2520280"/>
+          </a:xfrm>
+        </p:grpSpPr>
+        <p:sp>
+          <p:nvSpPr>
+            <p:cNvPr id="5" name="직사각형 4"/>
+            <p:cNvSpPr/>
+            <p:nvPr/>
+          </p:nvSpPr>
+          <p:spPr bwMode="auto">
+            <a:xfrm>
+              <a:off x="4149080" y="4139952"/>
+              <a:ext cx="2304256" cy="864096"/>
+            </a:xfrm>
+            <a:prstGeom prst="rect">
+              <a:avLst/>
+            </a:prstGeom>
+            <a:solidFill>
+              <a:srgbClr val="4F81BD"/>
+            </a:solidFill>
+            <a:ln w="25400">
+              <a:solidFill>
+                <a:srgbClr val="243F60"/>
+              </a:solidFill>
+              <a:miter lim="800000"/>
+              <a:headEnd/>
+              <a:tailEnd/>
+            </a:ln>
+          </p:spPr>
+          <p:txBody>
+            <a:bodyPr vert="horz" wrap="square" lIns="91440" tIns="45720" rIns="91440" bIns="45720" numCol="1" rtlCol="0" anchor="ctr" anchorCtr="0" compatLnSpc="1">
+              <a:prstTxWarp prst="textNoShape">
+                <a:avLst/>
+              </a:prstTxWarp>
+            </a:bodyPr>
+            <a:lstStyle/>
+            <a:p>
+              <a:pPr marL="0" marR="0" indent="0" algn="ctr" defTabSz="914400" rtl="0" eaLnBrk="1" fontAlgn="base" latinLnBrk="1" hangingPunct="1">
+                <a:lnSpc>
+                  <a:spcPct val="100000"/>
+                </a:lnSpc>
+                <a:spcBef>
+                  <a:spcPct val="0"/>
+                </a:spcBef>
+                <a:spcAft>
+                  <a:spcPct val="0"/>
+                </a:spcAft>
+                <a:buClrTx/>
+                <a:buSzTx/>
+                <a:buFontTx/>
+                <a:buNone/>
+                <a:tabLst/>
+              </a:pPr>
+              <a:r>
+                <a:rPr kumimoji="1" lang="en-US" altLang="ko-KR" sz="1200" dirty="0" err="1" smtClean="0">
+                  <a:solidFill>
+                    <a:srgbClr val="FFFFFF"/>
+                  </a:solidFill>
+                  <a:latin typeface="맑은 고딕" pitchFamily="50" charset="-127"/>
+                  <a:ea typeface="맑은 고딕" pitchFamily="50" charset="-127"/>
+                  <a:cs typeface="Times New Roman" pitchFamily="18" charset="0"/>
+                </a:rPr>
+                <a:t>RequestBeanPackege</a:t>
+              </a:r>
+              <a:endParaRPr kumimoji="1" lang="ko-KR" altLang="en-US" sz="1200" dirty="0" err="1" smtClean="0">
+                <a:solidFill>
+                  <a:srgbClr val="FFFFFF"/>
+                </a:solidFill>
+                <a:latin typeface="맑은 고딕" pitchFamily="50" charset="-127"/>
+                <a:ea typeface="맑은 고딕" pitchFamily="50" charset="-127"/>
+                <a:cs typeface="Times New Roman" pitchFamily="18" charset="0"/>
+              </a:endParaRPr>
+            </a:p>
+          </p:txBody>
+        </p:sp>
+        <p:sp>
+          <p:nvSpPr>
+            <p:cNvPr id="6" name="직사각형 5"/>
+            <p:cNvSpPr/>
+            <p:nvPr/>
+          </p:nvSpPr>
+          <p:spPr bwMode="auto">
+            <a:xfrm>
+              <a:off x="1011982" y="4139952"/>
+              <a:ext cx="2304256" cy="864096"/>
+            </a:xfrm>
+            <a:prstGeom prst="rect">
+              <a:avLst/>
+            </a:prstGeom>
+            <a:solidFill>
+              <a:srgbClr val="4F81BD"/>
+            </a:solidFill>
+            <a:ln w="25400">
+              <a:solidFill>
+                <a:srgbClr val="243F60"/>
+              </a:solidFill>
+              <a:miter lim="800000"/>
+              <a:headEnd/>
+              <a:tailEnd/>
+            </a:ln>
+          </p:spPr>
+          <p:txBody>
+            <a:bodyPr vert="horz" wrap="square" lIns="91440" tIns="45720" rIns="91440" bIns="45720" numCol="1" rtlCol="0" anchor="ctr" anchorCtr="0" compatLnSpc="1">
+              <a:prstTxWarp prst="textNoShape">
+                <a:avLst/>
+              </a:prstTxWarp>
+            </a:bodyPr>
+            <a:lstStyle/>
+            <a:p>
+              <a:pPr marL="0" marR="0" indent="0" algn="ctr" defTabSz="914400" rtl="0" eaLnBrk="1" fontAlgn="base" latinLnBrk="1" hangingPunct="1">
+                <a:lnSpc>
+                  <a:spcPct val="100000"/>
+                </a:lnSpc>
+                <a:spcBef>
+                  <a:spcPct val="0"/>
+                </a:spcBef>
+                <a:spcAft>
+                  <a:spcPct val="0"/>
+                </a:spcAft>
+                <a:buClrTx/>
+                <a:buSzTx/>
+                <a:buFontTx/>
+                <a:buNone/>
+                <a:tabLst/>
+              </a:pPr>
+              <a:r>
+                <a:rPr kumimoji="1" lang="en-US" altLang="ko-KR" sz="1200" dirty="0" smtClean="0">
+                  <a:solidFill>
+                    <a:srgbClr val="FFFFFF"/>
+                  </a:solidFill>
+                  <a:latin typeface="맑은 고딕" pitchFamily="50" charset="-127"/>
+                  <a:ea typeface="맑은 고딕" pitchFamily="50" charset="-127"/>
+                  <a:cs typeface="Times New Roman" pitchFamily="18" charset="0"/>
+                </a:rPr>
+                <a:t>Request</a:t>
+              </a:r>
+              <a:endParaRPr kumimoji="1" lang="ko-KR" altLang="en-US" sz="1200" dirty="0" err="1" smtClean="0">
+                <a:solidFill>
+                  <a:srgbClr val="FFFFFF"/>
+                </a:solidFill>
+                <a:latin typeface="맑은 고딕" pitchFamily="50" charset="-127"/>
+                <a:ea typeface="맑은 고딕" pitchFamily="50" charset="-127"/>
+                <a:cs typeface="Times New Roman" pitchFamily="18" charset="0"/>
+              </a:endParaRPr>
+            </a:p>
+          </p:txBody>
+        </p:sp>
+        <p:sp>
+          <p:nvSpPr>
+            <p:cNvPr id="7" name="직사각형 6"/>
+            <p:cNvSpPr/>
+            <p:nvPr/>
+          </p:nvSpPr>
+          <p:spPr bwMode="auto">
+            <a:xfrm>
+              <a:off x="1018828" y="2483768"/>
+              <a:ext cx="2304256" cy="864096"/>
+            </a:xfrm>
+            <a:prstGeom prst="rect">
+              <a:avLst/>
+            </a:prstGeom>
+            <a:solidFill>
+              <a:srgbClr val="4F81BD"/>
+            </a:solidFill>
+            <a:ln w="25400">
+              <a:solidFill>
+                <a:srgbClr val="243F60"/>
+              </a:solidFill>
+              <a:miter lim="800000"/>
+              <a:headEnd/>
+              <a:tailEnd/>
+            </a:ln>
+          </p:spPr>
+          <p:txBody>
+            <a:bodyPr vert="horz" wrap="square" lIns="91440" tIns="45720" rIns="91440" bIns="45720" numCol="1" rtlCol="0" anchor="ctr" anchorCtr="0" compatLnSpc="1">
+              <a:prstTxWarp prst="textNoShape">
+                <a:avLst/>
+              </a:prstTxWarp>
+            </a:bodyPr>
+            <a:lstStyle/>
+            <a:p>
+              <a:pPr marL="0" marR="0" indent="0" algn="ctr" defTabSz="914400" rtl="0" eaLnBrk="1" fontAlgn="base" latinLnBrk="1" hangingPunct="1">
+                <a:lnSpc>
+                  <a:spcPct val="100000"/>
+                </a:lnSpc>
+                <a:spcBef>
+                  <a:spcPct val="0"/>
+                </a:spcBef>
+                <a:spcAft>
+                  <a:spcPct val="0"/>
+                </a:spcAft>
+                <a:buClrTx/>
+                <a:buSzTx/>
+                <a:buFontTx/>
+                <a:buNone/>
+                <a:tabLst/>
+              </a:pPr>
+              <a:r>
+                <a:rPr kumimoji="1" lang="en-US" altLang="ko-KR" sz="1200" dirty="0" err="1" smtClean="0">
+                  <a:solidFill>
+                    <a:srgbClr val="FFFFFF"/>
+                  </a:solidFill>
+                  <a:latin typeface="맑은 고딕" pitchFamily="50" charset="-127"/>
+                  <a:ea typeface="맑은 고딕" pitchFamily="50" charset="-127"/>
+                  <a:cs typeface="Times New Roman" pitchFamily="18" charset="0"/>
+                </a:rPr>
+                <a:t>Requestable</a:t>
+              </a:r>
+              <a:endParaRPr kumimoji="1" lang="ko-KR" altLang="en-US" sz="1200" dirty="0" err="1" smtClean="0">
+                <a:solidFill>
+                  <a:srgbClr val="FFFFFF"/>
+                </a:solidFill>
+                <a:latin typeface="맑은 고딕" pitchFamily="50" charset="-127"/>
+                <a:ea typeface="맑은 고딕" pitchFamily="50" charset="-127"/>
+                <a:cs typeface="Times New Roman" pitchFamily="18" charset="0"/>
+              </a:endParaRPr>
+            </a:p>
+          </p:txBody>
+        </p:sp>
+        <p:cxnSp>
+          <p:nvCxnSpPr>
+            <p:cNvPr id="8" name="직선 화살표 연결선 7"/>
+            <p:cNvCxnSpPr>
+              <a:stCxn id="6" idx="3"/>
+              <a:endCxn id="5" idx="1"/>
+            </p:cNvCxnSpPr>
+            <p:nvPr/>
+          </p:nvCxnSpPr>
+          <p:spPr>
+            <a:xfrm>
+              <a:off x="3316238" y="4572000"/>
+              <a:ext cx="832842" cy="0"/>
+            </a:xfrm>
+            <a:prstGeom prst="straightConnector1">
+              <a:avLst/>
+            </a:prstGeom>
+            <a:ln w="25400">
+              <a:solidFill>
+                <a:schemeClr val="tx1"/>
+              </a:solidFill>
+              <a:prstDash val="solid"/>
+              <a:headEnd type="diamond" w="lg" len="lg"/>
+              <a:tailEnd type="arrow"/>
+            </a:ln>
+          </p:spPr>
+          <p:style>
+            <a:lnRef idx="1">
+              <a:schemeClr val="accent1"/>
+            </a:lnRef>
+            <a:fillRef idx="0">
+              <a:schemeClr val="accent1"/>
+            </a:fillRef>
+            <a:effectRef idx="0">
+              <a:schemeClr val="accent1"/>
+            </a:effectRef>
+            <a:fontRef idx="minor">
+              <a:schemeClr val="tx1"/>
+            </a:fontRef>
+          </p:style>
+        </p:cxnSp>
+        <p:cxnSp>
+          <p:nvCxnSpPr>
+            <p:cNvPr id="9" name="직선 화살표 연결선 8"/>
+            <p:cNvCxnSpPr>
+              <a:stCxn id="6" idx="0"/>
+              <a:endCxn id="7" idx="2"/>
+            </p:cNvCxnSpPr>
+            <p:nvPr/>
+          </p:nvCxnSpPr>
+          <p:spPr>
+            <a:xfrm flipV="1">
+              <a:off x="2164110" y="3347864"/>
+              <a:ext cx="6846" cy="792088"/>
+            </a:xfrm>
+            <a:prstGeom prst="straightConnector1">
+              <a:avLst/>
+            </a:prstGeom>
+            <a:ln w="25400">
+              <a:solidFill>
+                <a:schemeClr val="tx1"/>
+              </a:solidFill>
+              <a:prstDash val="sysDash"/>
+              <a:headEnd type="none" w="lg" len="lg"/>
+              <a:tailEnd type="triangle"/>
+            </a:ln>
+          </p:spPr>
+          <p:style>
+            <a:lnRef idx="1">
+              <a:schemeClr val="accent1"/>
+            </a:lnRef>
+            <a:fillRef idx="0">
+              <a:schemeClr val="accent1"/>
+            </a:fillRef>
+            <a:effectRef idx="0">
+              <a:schemeClr val="accent1"/>
+            </a:effectRef>
+            <a:fontRef idx="minor">
+              <a:schemeClr val="tx1"/>
+            </a:fontRef>
+          </p:style>
+        </p:cxnSp>
+      </p:grpSp>
+    </p:spTree>
+    <p:extLst>
+      <p:ext uri="{BB962C8B-B14F-4D97-AF65-F5344CB8AC3E}">
+        <p14:creationId xmlns:p14="http://schemas.microsoft.com/office/powerpoint/2010/main" val="3132219713"/>
+      </p:ext>
+    </p:extLst>
+  </p:cSld>
+  <p:clrMapOvr>
+    <a:masterClrMapping/>
+  </p:clrMapOvr>
+</p:sld>
+</file>
+
+<file path=ppt/slides/slide7.xml><?xml version="1.0" encoding="utf-8"?>
+<p:sld xmlns:a="http://schemas.openxmlformats.org/drawingml/2006/main" xmlns:r="http://schemas.openxmlformats.org/officeDocument/2006/relationships" xmlns:p="http://schemas.openxmlformats.org/presentationml/2006/main">
+  <p:cSld>
+    <p:spTree>
+      <p:nvGrpSpPr>
+        <p:cNvPr id="1" name=""/>
+        <p:cNvGrpSpPr/>
+        <p:nvPr/>
+      </p:nvGrpSpPr>
+      <p:grpSpPr>
+        <a:xfrm>
+          <a:off x="0" y="0"/>
+          <a:ext cx="0" cy="0"/>
+          <a:chOff x="0" y="0"/>
+          <a:chExt cx="0" cy="0"/>
+        </a:xfrm>
+      </p:grpSpPr>
+      <p:grpSp>
+        <p:nvGrpSpPr>
+          <p:cNvPr id="11" name="그룹 10"/>
+          <p:cNvGrpSpPr/>
+          <p:nvPr/>
+        </p:nvGrpSpPr>
+        <p:grpSpPr>
+          <a:xfrm>
+            <a:off x="1556792" y="2771800"/>
+            <a:ext cx="4752528" cy="2376264"/>
+            <a:chOff x="1556792" y="2771800"/>
+            <a:chExt cx="4752528" cy="2376264"/>
+          </a:xfrm>
+        </p:grpSpPr>
+        <p:sp>
+          <p:nvSpPr>
+            <p:cNvPr id="4" name="직사각형 3"/>
+            <p:cNvSpPr/>
+            <p:nvPr/>
+          </p:nvSpPr>
+          <p:spPr bwMode="auto">
+            <a:xfrm>
+              <a:off x="2852936" y="2771800"/>
+              <a:ext cx="2160240" cy="792088"/>
+            </a:xfrm>
+            <a:prstGeom prst="rect">
+              <a:avLst/>
+            </a:prstGeom>
+            <a:solidFill>
+              <a:srgbClr val="4F81BD"/>
+            </a:solidFill>
+            <a:ln w="25400">
+              <a:solidFill>
+                <a:srgbClr val="243F60"/>
+              </a:solidFill>
+              <a:miter lim="800000"/>
+              <a:headEnd/>
+              <a:tailEnd/>
+            </a:ln>
+          </p:spPr>
+          <p:txBody>
+            <a:bodyPr vert="horz" wrap="square" lIns="91440" tIns="45720" rIns="91440" bIns="45720" numCol="1" rtlCol="0" anchor="ctr" anchorCtr="0" compatLnSpc="1">
+              <a:prstTxWarp prst="textNoShape">
+                <a:avLst/>
+              </a:prstTxWarp>
+            </a:bodyPr>
+            <a:lstStyle/>
+            <a:p>
+              <a:pPr marL="0" marR="0" indent="0" algn="ctr" defTabSz="914400" rtl="0" eaLnBrk="1" fontAlgn="base" latinLnBrk="1" hangingPunct="1">
+                <a:lnSpc>
+                  <a:spcPct val="100000"/>
+                </a:lnSpc>
+                <a:spcBef>
+                  <a:spcPct val="0"/>
+                </a:spcBef>
+                <a:spcAft>
+                  <a:spcPct val="0"/>
+                </a:spcAft>
+                <a:buClrTx/>
+                <a:buSzTx/>
+                <a:buFontTx/>
+                <a:buNone/>
+                <a:tabLst/>
+              </a:pPr>
+              <a:r>
+                <a:rPr kumimoji="1" lang="en-US" altLang="ko-KR" sz="1200" dirty="0" smtClean="0">
+                  <a:solidFill>
+                    <a:srgbClr val="FFFFFF"/>
+                  </a:solidFill>
+                  <a:latin typeface="맑은 고딕" pitchFamily="50" charset="-127"/>
+                  <a:ea typeface="맑은 고딕" pitchFamily="50" charset="-127"/>
+                  <a:cs typeface="Times New Roman" pitchFamily="18" charset="0"/>
+                </a:rPr>
+                <a:t>Bean</a:t>
+              </a:r>
+              <a:endParaRPr kumimoji="1" lang="ko-KR" altLang="en-US" sz="1200" dirty="0" err="1" smtClean="0">
+                <a:solidFill>
+                  <a:srgbClr val="FFFFFF"/>
+                </a:solidFill>
+                <a:latin typeface="맑은 고딕" pitchFamily="50" charset="-127"/>
+                <a:ea typeface="맑은 고딕" pitchFamily="50" charset="-127"/>
+                <a:cs typeface="Times New Roman" pitchFamily="18" charset="0"/>
+              </a:endParaRPr>
+            </a:p>
+          </p:txBody>
+        </p:sp>
+        <p:sp>
+          <p:nvSpPr>
+            <p:cNvPr id="5" name="직사각형 4"/>
+            <p:cNvSpPr/>
+            <p:nvPr/>
+          </p:nvSpPr>
+          <p:spPr bwMode="auto">
+            <a:xfrm>
+              <a:off x="1556792" y="4355976"/>
+              <a:ext cx="2160240" cy="792088"/>
+            </a:xfrm>
+            <a:prstGeom prst="rect">
+              <a:avLst/>
+            </a:prstGeom>
+            <a:solidFill>
+              <a:srgbClr val="4F81BD"/>
+            </a:solidFill>
+            <a:ln w="25400">
+              <a:solidFill>
+                <a:srgbClr val="243F60"/>
+              </a:solidFill>
+              <a:miter lim="800000"/>
+              <a:headEnd/>
+              <a:tailEnd/>
+            </a:ln>
+          </p:spPr>
+          <p:txBody>
+            <a:bodyPr vert="horz" wrap="square" lIns="91440" tIns="45720" rIns="91440" bIns="45720" numCol="1" rtlCol="0" anchor="ctr" anchorCtr="0" compatLnSpc="1">
+              <a:prstTxWarp prst="textNoShape">
+                <a:avLst/>
+              </a:prstTxWarp>
+            </a:bodyPr>
+            <a:lstStyle/>
+            <a:p>
+              <a:pPr marL="0" marR="0" indent="0" algn="ctr" defTabSz="914400" rtl="0" eaLnBrk="1" fontAlgn="base" latinLnBrk="1" hangingPunct="1">
+                <a:lnSpc>
+                  <a:spcPct val="100000"/>
+                </a:lnSpc>
+                <a:spcBef>
+                  <a:spcPct val="0"/>
+                </a:spcBef>
+                <a:spcAft>
+                  <a:spcPct val="0"/>
+                </a:spcAft>
+                <a:buClrTx/>
+                <a:buSzTx/>
+                <a:buFontTx/>
+                <a:buNone/>
+                <a:tabLst/>
+              </a:pPr>
+              <a:r>
+                <a:rPr kumimoji="1" lang="en-US" altLang="ko-KR" sz="1200" dirty="0" err="1" smtClean="0">
+                  <a:solidFill>
+                    <a:srgbClr val="FFFFFF"/>
+                  </a:solidFill>
+                  <a:latin typeface="맑은 고딕" pitchFamily="50" charset="-127"/>
+                  <a:ea typeface="맑은 고딕" pitchFamily="50" charset="-127"/>
+                  <a:cs typeface="Times New Roman" pitchFamily="18" charset="0"/>
+                </a:rPr>
+                <a:t>PostBean</a:t>
+              </a:r>
+              <a:endParaRPr kumimoji="1" lang="ko-KR" altLang="en-US" sz="1200" dirty="0" err="1" smtClean="0">
+                <a:solidFill>
+                  <a:srgbClr val="FFFFFF"/>
+                </a:solidFill>
+                <a:latin typeface="맑은 고딕" pitchFamily="50" charset="-127"/>
+                <a:ea typeface="맑은 고딕" pitchFamily="50" charset="-127"/>
+                <a:cs typeface="Times New Roman" pitchFamily="18" charset="0"/>
+              </a:endParaRPr>
+            </a:p>
+          </p:txBody>
+        </p:sp>
+        <p:sp>
+          <p:nvSpPr>
+            <p:cNvPr id="6" name="직사각형 5"/>
+            <p:cNvSpPr/>
+            <p:nvPr/>
+          </p:nvSpPr>
+          <p:spPr bwMode="auto">
+            <a:xfrm>
+              <a:off x="4149080" y="4355976"/>
+              <a:ext cx="2160240" cy="792088"/>
+            </a:xfrm>
+            <a:prstGeom prst="rect">
+              <a:avLst/>
+            </a:prstGeom>
+            <a:solidFill>
+              <a:srgbClr val="4F81BD"/>
+            </a:solidFill>
+            <a:ln w="25400">
+              <a:solidFill>
+                <a:srgbClr val="243F60"/>
+              </a:solidFill>
+              <a:miter lim="800000"/>
+              <a:headEnd/>
+              <a:tailEnd/>
+            </a:ln>
+          </p:spPr>
+          <p:txBody>
+            <a:bodyPr vert="horz" wrap="square" lIns="91440" tIns="45720" rIns="91440" bIns="45720" numCol="1" rtlCol="0" anchor="ctr" anchorCtr="0" compatLnSpc="1">
+              <a:prstTxWarp prst="textNoShape">
+                <a:avLst/>
+              </a:prstTxWarp>
+            </a:bodyPr>
+            <a:lstStyle/>
+            <a:p>
+              <a:pPr marL="0" marR="0" indent="0" algn="ctr" defTabSz="914400" rtl="0" eaLnBrk="1" fontAlgn="base" latinLnBrk="1" hangingPunct="1">
+                <a:lnSpc>
+                  <a:spcPct val="100000"/>
+                </a:lnSpc>
+                <a:spcBef>
+                  <a:spcPct val="0"/>
+                </a:spcBef>
+                <a:spcAft>
+                  <a:spcPct val="0"/>
+                </a:spcAft>
+                <a:buClrTx/>
+                <a:buSzTx/>
+                <a:buFontTx/>
+                <a:buNone/>
+                <a:tabLst/>
+              </a:pPr>
+              <a:r>
+                <a:rPr kumimoji="1" lang="en-US" altLang="ko-KR" sz="1200" dirty="0" err="1" smtClean="0">
+                  <a:solidFill>
+                    <a:srgbClr val="FFFFFF"/>
+                  </a:solidFill>
+                  <a:latin typeface="맑은 고딕" pitchFamily="50" charset="-127"/>
+                  <a:ea typeface="맑은 고딕" pitchFamily="50" charset="-127"/>
+                  <a:cs typeface="Times New Roman" pitchFamily="18" charset="0"/>
+                </a:rPr>
+                <a:t>UserBean</a:t>
+              </a:r>
+              <a:endParaRPr kumimoji="1" lang="ko-KR" altLang="en-US" sz="1200" dirty="0" err="1" smtClean="0">
+                <a:solidFill>
+                  <a:srgbClr val="FFFFFF"/>
+                </a:solidFill>
+                <a:latin typeface="맑은 고딕" pitchFamily="50" charset="-127"/>
+                <a:ea typeface="맑은 고딕" pitchFamily="50" charset="-127"/>
+                <a:cs typeface="Times New Roman" pitchFamily="18" charset="0"/>
+              </a:endParaRPr>
+            </a:p>
+          </p:txBody>
+        </p:sp>
+        <p:cxnSp>
+          <p:nvCxnSpPr>
+            <p:cNvPr id="7" name="직선 화살표 연결선 6"/>
+            <p:cNvCxnSpPr/>
+            <p:nvPr/>
+          </p:nvCxnSpPr>
+          <p:spPr>
+            <a:xfrm flipV="1">
+              <a:off x="3356992" y="3546252"/>
+              <a:ext cx="6846" cy="792088"/>
+            </a:xfrm>
+            <a:prstGeom prst="straightConnector1">
+              <a:avLst/>
+            </a:prstGeom>
+            <a:ln w="25400">
+              <a:solidFill>
+                <a:schemeClr val="tx1"/>
+              </a:solidFill>
+              <a:prstDash val="solid"/>
+              <a:headEnd type="none" w="lg" len="lg"/>
+              <a:tailEnd type="triangle"/>
+            </a:ln>
+          </p:spPr>
+          <p:style>
+            <a:lnRef idx="1">
+              <a:schemeClr val="accent1"/>
+            </a:lnRef>
+            <a:fillRef idx="0">
+              <a:schemeClr val="accent1"/>
+            </a:fillRef>
+            <a:effectRef idx="0">
+              <a:schemeClr val="accent1"/>
+            </a:effectRef>
+            <a:fontRef idx="minor">
+              <a:schemeClr val="tx1"/>
+            </a:fontRef>
+          </p:style>
+        </p:cxnSp>
+        <p:cxnSp>
+          <p:nvCxnSpPr>
+            <p:cNvPr id="10" name="직선 화살표 연결선 9"/>
+            <p:cNvCxnSpPr/>
+            <p:nvPr/>
+          </p:nvCxnSpPr>
+          <p:spPr>
+            <a:xfrm flipV="1">
+              <a:off x="4509120" y="3586820"/>
+              <a:ext cx="6846" cy="792088"/>
+            </a:xfrm>
+            <a:prstGeom prst="straightConnector1">
+              <a:avLst/>
+            </a:prstGeom>
+            <a:ln w="25400">
+              <a:solidFill>
+                <a:schemeClr val="tx1"/>
+              </a:solidFill>
+              <a:prstDash val="solid"/>
+              <a:headEnd type="none" w="lg" len="lg"/>
+              <a:tailEnd type="triangle"/>
+            </a:ln>
+          </p:spPr>
+          <p:style>
+            <a:lnRef idx="1">
+              <a:schemeClr val="accent1"/>
+            </a:lnRef>
+            <a:fillRef idx="0">
+              <a:schemeClr val="accent1"/>
+            </a:fillRef>
+            <a:effectRef idx="0">
+              <a:schemeClr val="accent1"/>
+            </a:effectRef>
+            <a:fontRef idx="minor">
+              <a:schemeClr val="tx1"/>
+            </a:fontRef>
+          </p:style>
+        </p:cxnSp>
+      </p:grpSp>
+    </p:spTree>
+    <p:extLst>
+      <p:ext uri="{BB962C8B-B14F-4D97-AF65-F5344CB8AC3E}">
+        <p14:creationId xmlns:p14="http://schemas.microsoft.com/office/powerpoint/2010/main" val="259016581"/>
+      </p:ext>
+    </p:extLst>
+  </p:cSld>
+  <p:clrMapOvr>
+    <a:masterClrMapping/>
+  </p:clrMapOvr>
 </p:sld>
 </file>
 
